--- a/聖誕佳音歌.pptx
+++ b/聖誕佳音歌.pptx
@@ -298,7 +298,8 @@
           <a:p>
             <a:fld id="{838F70C2-77FE-46FF-9CC9-005D31B4EEA0}" type="datetimeFigureOut">
               <a:rPr lang="en-US" smtClean="0"/>
-              <a:t>12/9/2023</a:t>
+              <a:pPr/>
+              <a:t>12/10/2023</a:t>
             </a:fld>
             <a:endParaRPr lang="en-US"/>
           </a:p>
@@ -340,6 +341,7 @@
           <a:p>
             <a:fld id="{CD1EE1F9-87C6-4AEA-A5DF-AB1790EF83DD}" type="slidenum">
               <a:rPr lang="en-US" smtClean="0"/>
+              <a:pPr/>
               <a:t>‹#›</a:t>
             </a:fld>
             <a:endParaRPr lang="en-US"/>
@@ -349,7 +351,7 @@
     </p:spTree>
     <p:extLst>
       <p:ext uri="{BB962C8B-B14F-4D97-AF65-F5344CB8AC3E}">
-        <p14:creationId xmlns:p14="http://schemas.microsoft.com/office/powerpoint/2010/main" val="831594246"/>
+        <p14:creationId xmlns:p14="http://schemas.microsoft.com/office/powerpoint/2010/main" xmlns="" val="831594246"/>
       </p:ext>
     </p:extLst>
   </p:cSld>
@@ -468,7 +470,8 @@
           <a:p>
             <a:fld id="{838F70C2-77FE-46FF-9CC9-005D31B4EEA0}" type="datetimeFigureOut">
               <a:rPr lang="en-US" smtClean="0"/>
-              <a:t>12/9/2023</a:t>
+              <a:pPr/>
+              <a:t>12/10/2023</a:t>
             </a:fld>
             <a:endParaRPr lang="en-US"/>
           </a:p>
@@ -510,6 +513,7 @@
           <a:p>
             <a:fld id="{CD1EE1F9-87C6-4AEA-A5DF-AB1790EF83DD}" type="slidenum">
               <a:rPr lang="en-US" smtClean="0"/>
+              <a:pPr/>
               <a:t>‹#›</a:t>
             </a:fld>
             <a:endParaRPr lang="en-US"/>
@@ -519,7 +523,7 @@
     </p:spTree>
     <p:extLst>
       <p:ext uri="{BB962C8B-B14F-4D97-AF65-F5344CB8AC3E}">
-        <p14:creationId xmlns:p14="http://schemas.microsoft.com/office/powerpoint/2010/main" val="1711521684"/>
+        <p14:creationId xmlns:p14="http://schemas.microsoft.com/office/powerpoint/2010/main" xmlns="" val="1711521684"/>
       </p:ext>
     </p:extLst>
   </p:cSld>
@@ -648,7 +652,8 @@
           <a:p>
             <a:fld id="{838F70C2-77FE-46FF-9CC9-005D31B4EEA0}" type="datetimeFigureOut">
               <a:rPr lang="en-US" smtClean="0"/>
-              <a:t>12/9/2023</a:t>
+              <a:pPr/>
+              <a:t>12/10/2023</a:t>
             </a:fld>
             <a:endParaRPr lang="en-US"/>
           </a:p>
@@ -690,6 +695,7 @@
           <a:p>
             <a:fld id="{CD1EE1F9-87C6-4AEA-A5DF-AB1790EF83DD}" type="slidenum">
               <a:rPr lang="en-US" smtClean="0"/>
+              <a:pPr/>
               <a:t>‹#›</a:t>
             </a:fld>
             <a:endParaRPr lang="en-US"/>
@@ -699,7 +705,7 @@
     </p:spTree>
     <p:extLst>
       <p:ext uri="{BB962C8B-B14F-4D97-AF65-F5344CB8AC3E}">
-        <p14:creationId xmlns:p14="http://schemas.microsoft.com/office/powerpoint/2010/main" val="3072458821"/>
+        <p14:creationId xmlns:p14="http://schemas.microsoft.com/office/powerpoint/2010/main" xmlns="" val="3072458821"/>
       </p:ext>
     </p:extLst>
   </p:cSld>
@@ -818,7 +824,8 @@
           <a:p>
             <a:fld id="{838F70C2-77FE-46FF-9CC9-005D31B4EEA0}" type="datetimeFigureOut">
               <a:rPr lang="en-US" smtClean="0"/>
-              <a:t>12/9/2023</a:t>
+              <a:pPr/>
+              <a:t>12/10/2023</a:t>
             </a:fld>
             <a:endParaRPr lang="en-US"/>
           </a:p>
@@ -860,6 +867,7 @@
           <a:p>
             <a:fld id="{CD1EE1F9-87C6-4AEA-A5DF-AB1790EF83DD}" type="slidenum">
               <a:rPr lang="en-US" smtClean="0"/>
+              <a:pPr/>
               <a:t>‹#›</a:t>
             </a:fld>
             <a:endParaRPr lang="en-US"/>
@@ -869,7 +877,7 @@
     </p:spTree>
     <p:extLst>
       <p:ext uri="{BB962C8B-B14F-4D97-AF65-F5344CB8AC3E}">
-        <p14:creationId xmlns:p14="http://schemas.microsoft.com/office/powerpoint/2010/main" val="1763102075"/>
+        <p14:creationId xmlns:p14="http://schemas.microsoft.com/office/powerpoint/2010/main" xmlns="" val="1763102075"/>
       </p:ext>
     </p:extLst>
   </p:cSld>
@@ -1064,7 +1072,8 @@
           <a:p>
             <a:fld id="{838F70C2-77FE-46FF-9CC9-005D31B4EEA0}" type="datetimeFigureOut">
               <a:rPr lang="en-US" smtClean="0"/>
-              <a:t>12/9/2023</a:t>
+              <a:pPr/>
+              <a:t>12/10/2023</a:t>
             </a:fld>
             <a:endParaRPr lang="en-US"/>
           </a:p>
@@ -1106,6 +1115,7 @@
           <a:p>
             <a:fld id="{CD1EE1F9-87C6-4AEA-A5DF-AB1790EF83DD}" type="slidenum">
               <a:rPr lang="en-US" smtClean="0"/>
+              <a:pPr/>
               <a:t>‹#›</a:t>
             </a:fld>
             <a:endParaRPr lang="en-US"/>
@@ -1115,7 +1125,7 @@
     </p:spTree>
     <p:extLst>
       <p:ext uri="{BB962C8B-B14F-4D97-AF65-F5344CB8AC3E}">
-        <p14:creationId xmlns:p14="http://schemas.microsoft.com/office/powerpoint/2010/main" val="605348147"/>
+        <p14:creationId xmlns:p14="http://schemas.microsoft.com/office/powerpoint/2010/main" xmlns="" val="605348147"/>
       </p:ext>
     </p:extLst>
   </p:cSld>
@@ -1352,7 +1362,8 @@
           <a:p>
             <a:fld id="{838F70C2-77FE-46FF-9CC9-005D31B4EEA0}" type="datetimeFigureOut">
               <a:rPr lang="en-US" smtClean="0"/>
-              <a:t>12/9/2023</a:t>
+              <a:pPr/>
+              <a:t>12/10/2023</a:t>
             </a:fld>
             <a:endParaRPr lang="en-US"/>
           </a:p>
@@ -1394,6 +1405,7 @@
           <a:p>
             <a:fld id="{CD1EE1F9-87C6-4AEA-A5DF-AB1790EF83DD}" type="slidenum">
               <a:rPr lang="en-US" smtClean="0"/>
+              <a:pPr/>
               <a:t>‹#›</a:t>
             </a:fld>
             <a:endParaRPr lang="en-US"/>
@@ -1403,7 +1415,7 @@
     </p:spTree>
     <p:extLst>
       <p:ext uri="{BB962C8B-B14F-4D97-AF65-F5344CB8AC3E}">
-        <p14:creationId xmlns:p14="http://schemas.microsoft.com/office/powerpoint/2010/main" val="3960747459"/>
+        <p14:creationId xmlns:p14="http://schemas.microsoft.com/office/powerpoint/2010/main" xmlns="" val="3960747459"/>
       </p:ext>
     </p:extLst>
   </p:cSld>
@@ -1774,7 +1786,8 @@
           <a:p>
             <a:fld id="{838F70C2-77FE-46FF-9CC9-005D31B4EEA0}" type="datetimeFigureOut">
               <a:rPr lang="en-US" smtClean="0"/>
-              <a:t>12/9/2023</a:t>
+              <a:pPr/>
+              <a:t>12/10/2023</a:t>
             </a:fld>
             <a:endParaRPr lang="en-US"/>
           </a:p>
@@ -1816,6 +1829,7 @@
           <a:p>
             <a:fld id="{CD1EE1F9-87C6-4AEA-A5DF-AB1790EF83DD}" type="slidenum">
               <a:rPr lang="en-US" smtClean="0"/>
+              <a:pPr/>
               <a:t>‹#›</a:t>
             </a:fld>
             <a:endParaRPr lang="en-US"/>
@@ -1825,7 +1839,7 @@
     </p:spTree>
     <p:extLst>
       <p:ext uri="{BB962C8B-B14F-4D97-AF65-F5344CB8AC3E}">
-        <p14:creationId xmlns:p14="http://schemas.microsoft.com/office/powerpoint/2010/main" val="1958819962"/>
+        <p14:creationId xmlns:p14="http://schemas.microsoft.com/office/powerpoint/2010/main" xmlns="" val="1958819962"/>
       </p:ext>
     </p:extLst>
   </p:cSld>
@@ -1892,7 +1906,8 @@
           <a:p>
             <a:fld id="{838F70C2-77FE-46FF-9CC9-005D31B4EEA0}" type="datetimeFigureOut">
               <a:rPr lang="en-US" smtClean="0"/>
-              <a:t>12/9/2023</a:t>
+              <a:pPr/>
+              <a:t>12/10/2023</a:t>
             </a:fld>
             <a:endParaRPr lang="en-US"/>
           </a:p>
@@ -1934,6 +1949,7 @@
           <a:p>
             <a:fld id="{CD1EE1F9-87C6-4AEA-A5DF-AB1790EF83DD}" type="slidenum">
               <a:rPr lang="en-US" smtClean="0"/>
+              <a:pPr/>
               <a:t>‹#›</a:t>
             </a:fld>
             <a:endParaRPr lang="en-US"/>
@@ -1943,7 +1959,7 @@
     </p:spTree>
     <p:extLst>
       <p:ext uri="{BB962C8B-B14F-4D97-AF65-F5344CB8AC3E}">
-        <p14:creationId xmlns:p14="http://schemas.microsoft.com/office/powerpoint/2010/main" val="1137749765"/>
+        <p14:creationId xmlns:p14="http://schemas.microsoft.com/office/powerpoint/2010/main" xmlns="" val="1137749765"/>
       </p:ext>
     </p:extLst>
   </p:cSld>
@@ -1987,7 +2003,8 @@
           <a:p>
             <a:fld id="{838F70C2-77FE-46FF-9CC9-005D31B4EEA0}" type="datetimeFigureOut">
               <a:rPr lang="en-US" smtClean="0"/>
-              <a:t>12/9/2023</a:t>
+              <a:pPr/>
+              <a:t>12/10/2023</a:t>
             </a:fld>
             <a:endParaRPr lang="en-US"/>
           </a:p>
@@ -2029,6 +2046,7 @@
           <a:p>
             <a:fld id="{CD1EE1F9-87C6-4AEA-A5DF-AB1790EF83DD}" type="slidenum">
               <a:rPr lang="en-US" smtClean="0"/>
+              <a:pPr/>
               <a:t>‹#›</a:t>
             </a:fld>
             <a:endParaRPr lang="en-US"/>
@@ -2038,7 +2056,7 @@
     </p:spTree>
     <p:extLst>
       <p:ext uri="{BB962C8B-B14F-4D97-AF65-F5344CB8AC3E}">
-        <p14:creationId xmlns:p14="http://schemas.microsoft.com/office/powerpoint/2010/main" val="2205341483"/>
+        <p14:creationId xmlns:p14="http://schemas.microsoft.com/office/powerpoint/2010/main" xmlns="" val="2205341483"/>
       </p:ext>
     </p:extLst>
   </p:cSld>
@@ -2264,7 +2282,8 @@
           <a:p>
             <a:fld id="{838F70C2-77FE-46FF-9CC9-005D31B4EEA0}" type="datetimeFigureOut">
               <a:rPr lang="en-US" smtClean="0"/>
-              <a:t>12/9/2023</a:t>
+              <a:pPr/>
+              <a:t>12/10/2023</a:t>
             </a:fld>
             <a:endParaRPr lang="en-US"/>
           </a:p>
@@ -2306,6 +2325,7 @@
           <a:p>
             <a:fld id="{CD1EE1F9-87C6-4AEA-A5DF-AB1790EF83DD}" type="slidenum">
               <a:rPr lang="en-US" smtClean="0"/>
+              <a:pPr/>
               <a:t>‹#›</a:t>
             </a:fld>
             <a:endParaRPr lang="en-US"/>
@@ -2315,7 +2335,7 @@
     </p:spTree>
     <p:extLst>
       <p:ext uri="{BB962C8B-B14F-4D97-AF65-F5344CB8AC3E}">
-        <p14:creationId xmlns:p14="http://schemas.microsoft.com/office/powerpoint/2010/main" val="960737305"/>
+        <p14:creationId xmlns:p14="http://schemas.microsoft.com/office/powerpoint/2010/main" xmlns="" val="960737305"/>
       </p:ext>
     </p:extLst>
   </p:cSld>
@@ -2521,7 +2541,8 @@
           <a:p>
             <a:fld id="{838F70C2-77FE-46FF-9CC9-005D31B4EEA0}" type="datetimeFigureOut">
               <a:rPr lang="en-US" smtClean="0"/>
-              <a:t>12/9/2023</a:t>
+              <a:pPr/>
+              <a:t>12/10/2023</a:t>
             </a:fld>
             <a:endParaRPr lang="en-US"/>
           </a:p>
@@ -2563,6 +2584,7 @@
           <a:p>
             <a:fld id="{CD1EE1F9-87C6-4AEA-A5DF-AB1790EF83DD}" type="slidenum">
               <a:rPr lang="en-US" smtClean="0"/>
+              <a:pPr/>
               <a:t>‹#›</a:t>
             </a:fld>
             <a:endParaRPr lang="en-US"/>
@@ -2572,7 +2594,7 @@
     </p:spTree>
     <p:extLst>
       <p:ext uri="{BB962C8B-B14F-4D97-AF65-F5344CB8AC3E}">
-        <p14:creationId xmlns:p14="http://schemas.microsoft.com/office/powerpoint/2010/main" val="3220604928"/>
+        <p14:creationId xmlns:p14="http://schemas.microsoft.com/office/powerpoint/2010/main" xmlns="" val="3220604928"/>
       </p:ext>
     </p:extLst>
   </p:cSld>
@@ -2737,7 +2759,8 @@
           <a:p>
             <a:fld id="{838F70C2-77FE-46FF-9CC9-005D31B4EEA0}" type="datetimeFigureOut">
               <a:rPr lang="en-US" smtClean="0"/>
-              <a:t>12/9/2023</a:t>
+              <a:pPr/>
+              <a:t>12/10/2023</a:t>
             </a:fld>
             <a:endParaRPr lang="en-US"/>
           </a:p>
@@ -2815,6 +2838,7 @@
           <a:p>
             <a:fld id="{CD1EE1F9-87C6-4AEA-A5DF-AB1790EF83DD}" type="slidenum">
               <a:rPr lang="en-US" smtClean="0"/>
+              <a:pPr/>
               <a:t>‹#›</a:t>
             </a:fld>
             <a:endParaRPr lang="en-US"/>
@@ -2824,7 +2848,7 @@
     </p:spTree>
     <p:extLst>
       <p:ext uri="{BB962C8B-B14F-4D97-AF65-F5344CB8AC3E}">
-        <p14:creationId xmlns:p14="http://schemas.microsoft.com/office/powerpoint/2010/main" val="3714954995"/>
+        <p14:creationId xmlns:p14="http://schemas.microsoft.com/office/powerpoint/2010/main" xmlns="" val="3714954995"/>
       </p:ext>
     </p:extLst>
   </p:cSld>
@@ -3335,7 +3359,7 @@
     </p:spTree>
     <p:extLst>
       <p:ext uri="{BB962C8B-B14F-4D97-AF65-F5344CB8AC3E}">
-        <p14:creationId xmlns:p14="http://schemas.microsoft.com/office/powerpoint/2010/main" val="1934889982"/>
+        <p14:creationId xmlns:p14="http://schemas.microsoft.com/office/powerpoint/2010/main" xmlns="" val="1934889982"/>
       </p:ext>
     </p:extLst>
   </p:cSld>
@@ -3494,7 +3518,7 @@
     </p:spTree>
     <p:extLst>
       <p:ext uri="{BB962C8B-B14F-4D97-AF65-F5344CB8AC3E}">
-        <p14:creationId xmlns:p14="http://schemas.microsoft.com/office/powerpoint/2010/main" val="2483508515"/>
+        <p14:creationId xmlns:p14="http://schemas.microsoft.com/office/powerpoint/2010/main" xmlns="" val="2483508515"/>
       </p:ext>
     </p:extLst>
   </p:cSld>
@@ -3827,7 +3851,7 @@
     </p:spTree>
     <p:extLst>
       <p:ext uri="{BB962C8B-B14F-4D97-AF65-F5344CB8AC3E}">
-        <p14:creationId xmlns:p14="http://schemas.microsoft.com/office/powerpoint/2010/main" val="3107686634"/>
+        <p14:creationId xmlns:p14="http://schemas.microsoft.com/office/powerpoint/2010/main" xmlns="" val="3107686634"/>
       </p:ext>
     </p:extLst>
   </p:cSld>
@@ -3996,7 +4020,7 @@
     </p:spTree>
     <p:extLst>
       <p:ext uri="{BB962C8B-B14F-4D97-AF65-F5344CB8AC3E}">
-        <p14:creationId xmlns:p14="http://schemas.microsoft.com/office/powerpoint/2010/main" val="1263309101"/>
+        <p14:creationId xmlns:p14="http://schemas.microsoft.com/office/powerpoint/2010/main" xmlns="" val="1263309101"/>
       </p:ext>
     </p:extLst>
   </p:cSld>
@@ -4049,14 +4073,24 @@
               <a:buNone/>
             </a:pPr>
             <a:r>
-              <a:rPr lang="zh-CN" altLang="en-US" sz="6400" b="1" dirty="0">
+              <a:rPr lang="zh-CN" altLang="en-US" sz="6400" b="1" dirty="0" smtClean="0">
                 <a:solidFill>
                   <a:srgbClr val="660033"/>
                 </a:solidFill>
                 <a:latin typeface="微軟正黑體" pitchFamily="34" charset="-120"/>
                 <a:ea typeface="微軟正黑體" pitchFamily="34" charset="-120"/>
               </a:rPr>
-              <a:t>博士三人  因見星光</a:t>
+              <a:t>博士眾人  </a:t>
+            </a:r>
+            <a:r>
+              <a:rPr lang="zh-CN" altLang="en-US" sz="6400" b="1" dirty="0">
+                <a:solidFill>
+                  <a:srgbClr val="660033"/>
+                </a:solidFill>
+                <a:latin typeface="微軟正黑體" pitchFamily="34" charset="-120"/>
+                <a:ea typeface="微軟正黑體" pitchFamily="34" charset="-120"/>
+              </a:rPr>
+              <a:t>因見星光</a:t>
             </a:r>
             <a:endParaRPr lang="en-US" altLang="zh-CN" sz="6400" b="1" dirty="0">
               <a:solidFill>
@@ -4165,7 +4199,7 @@
     </p:spTree>
     <p:extLst>
       <p:ext uri="{BB962C8B-B14F-4D97-AF65-F5344CB8AC3E}">
-        <p14:creationId xmlns:p14="http://schemas.microsoft.com/office/powerpoint/2010/main" val="4232961271"/>
+        <p14:creationId xmlns:p14="http://schemas.microsoft.com/office/powerpoint/2010/main" xmlns="" val="4232961271"/>
       </p:ext>
     </p:extLst>
   </p:cSld>
@@ -4324,7 +4358,7 @@
     </p:spTree>
     <p:extLst>
       <p:ext uri="{BB962C8B-B14F-4D97-AF65-F5344CB8AC3E}">
-        <p14:creationId xmlns:p14="http://schemas.microsoft.com/office/powerpoint/2010/main" val="26684843"/>
+        <p14:creationId xmlns:p14="http://schemas.microsoft.com/office/powerpoint/2010/main" xmlns="" val="26684843"/>
       </p:ext>
     </p:extLst>
   </p:cSld>
@@ -4493,7 +4527,7 @@
     </p:spTree>
     <p:extLst>
       <p:ext uri="{BB962C8B-B14F-4D97-AF65-F5344CB8AC3E}">
-        <p14:creationId xmlns:p14="http://schemas.microsoft.com/office/powerpoint/2010/main" val="3239007950"/>
+        <p14:creationId xmlns:p14="http://schemas.microsoft.com/office/powerpoint/2010/main" xmlns="" val="3239007950"/>
       </p:ext>
     </p:extLst>
   </p:cSld>
@@ -4662,7 +4696,7 @@
     </p:spTree>
     <p:extLst>
       <p:ext uri="{BB962C8B-B14F-4D97-AF65-F5344CB8AC3E}">
-        <p14:creationId xmlns:p14="http://schemas.microsoft.com/office/powerpoint/2010/main" val="1085285675"/>
+        <p14:creationId xmlns:p14="http://schemas.microsoft.com/office/powerpoint/2010/main" xmlns="" val="1085285675"/>
       </p:ext>
     </p:extLst>
   </p:cSld>
@@ -4715,14 +4749,24 @@
               <a:buNone/>
             </a:pPr>
             <a:r>
-              <a:rPr lang="zh-CN" altLang="en-US" sz="6400" b="1" dirty="0">
+              <a:rPr lang="zh-CN" altLang="en-US" sz="6400" b="1" smtClean="0">
                 <a:solidFill>
                   <a:srgbClr val="660033"/>
                 </a:solidFill>
                 <a:latin typeface="微軟正黑體" pitchFamily="34" charset="-120"/>
                 <a:ea typeface="微軟正黑體" pitchFamily="34" charset="-120"/>
               </a:rPr>
-              <a:t>博士三人  謙恭獻上</a:t>
+              <a:t>博士眾人  </a:t>
+            </a:r>
+            <a:r>
+              <a:rPr lang="zh-CN" altLang="en-US" sz="6400" b="1" dirty="0">
+                <a:solidFill>
+                  <a:srgbClr val="660033"/>
+                </a:solidFill>
+                <a:latin typeface="微軟正黑體" pitchFamily="34" charset="-120"/>
+                <a:ea typeface="微軟正黑體" pitchFamily="34" charset="-120"/>
+              </a:rPr>
+              <a:t>謙恭獻上</a:t>
             </a:r>
             <a:endParaRPr lang="en-US" altLang="zh-CN" sz="6400" b="1" dirty="0">
               <a:solidFill>
@@ -4831,7 +4875,7 @@
     </p:spTree>
     <p:extLst>
       <p:ext uri="{BB962C8B-B14F-4D97-AF65-F5344CB8AC3E}">
-        <p14:creationId xmlns:p14="http://schemas.microsoft.com/office/powerpoint/2010/main" val="1252980300"/>
+        <p14:creationId xmlns:p14="http://schemas.microsoft.com/office/powerpoint/2010/main" xmlns="" val="1252980300"/>
       </p:ext>
     </p:extLst>
   </p:cSld>
@@ -5123,7 +5167,7 @@
   <a:extraClrSchemeLst/>
   <a:extLst>
     <a:ext uri="{05A4C25C-085E-4340-85A3-A5531E510DB2}">
-      <thm15:themeFamily xmlns:thm15="http://schemas.microsoft.com/office/thememl/2012/main" name="Theme1" id="{75BBF97F-0525-4D7F-ABA1-4CCFA07F43A2}" vid="{8D3552C7-B8E4-422B-9896-C8F00D815D11}"/>
+      <thm15:themeFamily xmlns:thm15="http://schemas.microsoft.com/office/thememl/2012/main" xmlns="" name="Theme1" id="{75BBF97F-0525-4D7F-ABA1-4CCFA07F43A2}" vid="{8D3552C7-B8E4-422B-9896-C8F00D815D11}"/>
     </a:ext>
   </a:extLst>
 </a:theme>
